--- a/livrables/Charte-graphique.pptx
+++ b/livrables/Charte-graphique.pptx
@@ -272,7 +272,7 @@
           <a:p>
             <a:fld id="{9FDD5D46-8BD9-4792-83BB-03F6BD8A2279}" type="datetimeFigureOut">
               <a:rPr lang="fr-FR" smtClean="0"/>
-              <a:t>19/04/2021</a:t>
+              <a:t>21/04/2021</a:t>
             </a:fld>
             <a:endParaRPr lang="fr-FR"/>
           </a:p>
@@ -470,7 +470,7 @@
           <a:p>
             <a:fld id="{9FDD5D46-8BD9-4792-83BB-03F6BD8A2279}" type="datetimeFigureOut">
               <a:rPr lang="fr-FR" smtClean="0"/>
-              <a:t>19/04/2021</a:t>
+              <a:t>21/04/2021</a:t>
             </a:fld>
             <a:endParaRPr lang="fr-FR"/>
           </a:p>
@@ -678,7 +678,7 @@
           <a:p>
             <a:fld id="{9FDD5D46-8BD9-4792-83BB-03F6BD8A2279}" type="datetimeFigureOut">
               <a:rPr lang="fr-FR" smtClean="0"/>
-              <a:t>19/04/2021</a:t>
+              <a:t>21/04/2021</a:t>
             </a:fld>
             <a:endParaRPr lang="fr-FR"/>
           </a:p>
@@ -876,7 +876,7 @@
           <a:p>
             <a:fld id="{9FDD5D46-8BD9-4792-83BB-03F6BD8A2279}" type="datetimeFigureOut">
               <a:rPr lang="fr-FR" smtClean="0"/>
-              <a:t>19/04/2021</a:t>
+              <a:t>21/04/2021</a:t>
             </a:fld>
             <a:endParaRPr lang="fr-FR"/>
           </a:p>
@@ -1151,7 +1151,7 @@
           <a:p>
             <a:fld id="{9FDD5D46-8BD9-4792-83BB-03F6BD8A2279}" type="datetimeFigureOut">
               <a:rPr lang="fr-FR" smtClean="0"/>
-              <a:t>19/04/2021</a:t>
+              <a:t>21/04/2021</a:t>
             </a:fld>
             <a:endParaRPr lang="fr-FR"/>
           </a:p>
@@ -1416,7 +1416,7 @@
           <a:p>
             <a:fld id="{9FDD5D46-8BD9-4792-83BB-03F6BD8A2279}" type="datetimeFigureOut">
               <a:rPr lang="fr-FR" smtClean="0"/>
-              <a:t>19/04/2021</a:t>
+              <a:t>21/04/2021</a:t>
             </a:fld>
             <a:endParaRPr lang="fr-FR"/>
           </a:p>
@@ -1828,7 +1828,7 @@
           <a:p>
             <a:fld id="{9FDD5D46-8BD9-4792-83BB-03F6BD8A2279}" type="datetimeFigureOut">
               <a:rPr lang="fr-FR" smtClean="0"/>
-              <a:t>19/04/2021</a:t>
+              <a:t>21/04/2021</a:t>
             </a:fld>
             <a:endParaRPr lang="fr-FR"/>
           </a:p>
@@ -1969,7 +1969,7 @@
           <a:p>
             <a:fld id="{9FDD5D46-8BD9-4792-83BB-03F6BD8A2279}" type="datetimeFigureOut">
               <a:rPr lang="fr-FR" smtClean="0"/>
-              <a:t>19/04/2021</a:t>
+              <a:t>21/04/2021</a:t>
             </a:fld>
             <a:endParaRPr lang="fr-FR"/>
           </a:p>
@@ -2082,7 +2082,7 @@
           <a:p>
             <a:fld id="{9FDD5D46-8BD9-4792-83BB-03F6BD8A2279}" type="datetimeFigureOut">
               <a:rPr lang="fr-FR" smtClean="0"/>
-              <a:t>19/04/2021</a:t>
+              <a:t>21/04/2021</a:t>
             </a:fld>
             <a:endParaRPr lang="fr-FR"/>
           </a:p>
@@ -2393,7 +2393,7 @@
           <a:p>
             <a:fld id="{9FDD5D46-8BD9-4792-83BB-03F6BD8A2279}" type="datetimeFigureOut">
               <a:rPr lang="fr-FR" smtClean="0"/>
-              <a:t>19/04/2021</a:t>
+              <a:t>21/04/2021</a:t>
             </a:fld>
             <a:endParaRPr lang="fr-FR"/>
           </a:p>
@@ -2681,7 +2681,7 @@
           <a:p>
             <a:fld id="{9FDD5D46-8BD9-4792-83BB-03F6BD8A2279}" type="datetimeFigureOut">
               <a:rPr lang="fr-FR" smtClean="0"/>
-              <a:t>19/04/2021</a:t>
+              <a:t>21/04/2021</a:t>
             </a:fld>
             <a:endParaRPr lang="fr-FR"/>
           </a:p>
@@ -2922,7 +2922,7 @@
           <a:p>
             <a:fld id="{9FDD5D46-8BD9-4792-83BB-03F6BD8A2279}" type="datetimeFigureOut">
               <a:rPr lang="fr-FR" smtClean="0"/>
-              <a:t>19/04/2021</a:t>
+              <a:t>21/04/2021</a:t>
             </a:fld>
             <a:endParaRPr lang="fr-FR"/>
           </a:p>
